--- a/Article/Lecture/문제로_배우는_SQL_join/img/img.pptx
+++ b/Article/Lecture/문제로_배우는_SQL_join/img/img.pptx
@@ -116,6 +116,11 @@
       </a:defRPr>
     </a:lvl9pPr>
   </p:defaultTextStyle>
+  <p:extLst>
+    <p:ext uri="{EFAFB233-063F-42B5-8137-9DF3F51BA10A}">
+      <p15:sldGuideLst xmlns:p15="http://schemas.microsoft.com/office/powerpoint/2012/main"/>
+    </p:ext>
+  </p:extLst>
 </p:presentation>
 </file>
 
@@ -5161,22 +5166,62 @@
               </a:rPr>
               <a:t>문제로 배우는 </a:t>
             </a:r>
-            <a:r>
-              <a:rPr lang="en-US" altLang="ko-KR" sz="9600">
-                <a:solidFill>
-                  <a:schemeClr val="bg1"/>
-                </a:solidFill>
-                <a:latin typeface="여기어때 잘난체 OTF" panose="020B0600000101010101" pitchFamily="34" charset="-127"/>
-                <a:ea typeface="여기어때 잘난체 OTF" panose="020B0600000101010101" pitchFamily="34" charset="-127"/>
-              </a:rPr>
-              <a:t>SQL JOIN</a:t>
-            </a:r>
-            <a:endParaRPr lang="ko-KR" altLang="en-US" sz="9600">
+            <a:endParaRPr lang="en-US" altLang="ko-KR" sz="9600">
               <a:solidFill>
                 <a:schemeClr val="bg1"/>
               </a:solidFill>
               <a:latin typeface="여기어때 잘난체 OTF" panose="020B0600000101010101" pitchFamily="34" charset="-127"/>
               <a:ea typeface="여기어때 잘난체 OTF" panose="020B0600000101010101" pitchFamily="34" charset="-127"/>
+            </a:endParaRPr>
+          </a:p>
+          <a:p>
+            <a:pPr algn="ctr"/>
+            <a:r>
+              <a:rPr lang="en-US" altLang="ko-KR" sz="9600">
+                <a:solidFill>
+                  <a:schemeClr val="bg1"/>
+                </a:solidFill>
+                <a:latin typeface="여기어때 잘난체 OTF" panose="020B0600000101010101" pitchFamily="34" charset="-127"/>
+                <a:ea typeface="여기어때 잘난체 OTF" panose="020B0600000101010101" pitchFamily="34" charset="-127"/>
+              </a:rPr>
+              <a:t>SQL </a:t>
+            </a:r>
+            <a:r>
+              <a:rPr lang="en-US" altLang="ko-KR" sz="7200">
+                <a:solidFill>
+                  <a:schemeClr val="bg1"/>
+                </a:solidFill>
+                <a:latin typeface="여기어때 잘난체 OTF" panose="020B0600000101010101" pitchFamily="34" charset="-127"/>
+                <a:ea typeface="여기어때 잘난체 OTF" panose="020B0600000101010101" pitchFamily="34" charset="-127"/>
+              </a:rPr>
+              <a:t>(</a:t>
+            </a:r>
+            <a:r>
+              <a:rPr lang="en-US" altLang="ko-KR" sz="8000">
+                <a:solidFill>
+                  <a:schemeClr val="bg1"/>
+                </a:solidFill>
+                <a:latin typeface="여기어때 잘난체 OTF" panose="020B0600000101010101" pitchFamily="34" charset="-127"/>
+                <a:ea typeface="여기어때 잘난체 OTF" panose="020B0600000101010101" pitchFamily="34" charset="-127"/>
+              </a:rPr>
+              <a:t>JOIN</a:t>
+            </a:r>
+            <a:r>
+              <a:rPr lang="en-US" altLang="ko-KR" sz="7200">
+                <a:solidFill>
+                  <a:schemeClr val="bg1"/>
+                </a:solidFill>
+                <a:latin typeface="여기어때 잘난체 OTF" panose="020B0600000101010101" pitchFamily="34" charset="-127"/>
+                <a:ea typeface="여기어때 잘난체 OTF" panose="020B0600000101010101" pitchFamily="34" charset="-127"/>
+              </a:rPr>
+              <a:t>)</a:t>
+            </a:r>
+            <a:endParaRPr lang="ko-KR" altLang="en-US" sz="7200">
+              <a:solidFill>
+                <a:schemeClr val="bg1"/>
+              </a:solidFill>
+              <a:latin typeface="나눔스퀘어_ac Bold" panose="020B0600000101010101" pitchFamily="50" charset="-127"/>
+              <a:ea typeface="나눔스퀘어_ac Bold" panose="020B0600000101010101" pitchFamily="50" charset="-127"/>
             </a:endParaRPr>
           </a:p>
         </p:txBody>
